--- a/Apresentação/Localize Jahu - Apresentação.pptx
+++ b/Apresentação/Localize Jahu - Apresentação.pptx
@@ -53,7 +53,7 @@
       <p:boldItalic r:id="rId34"/>
     </p:embeddedFont>
     <p:embeddedFont>
-      <p:font typeface="Roboto" panose="02000000000000000000" pitchFamily="2" charset="0"/>
+      <p:font typeface="Roboto" pitchFamily="2" charset="0"/>
       <p:regular r:id="rId35"/>
       <p:bold r:id="rId36"/>
       <p:italic r:id="rId37"/>
@@ -300,7 +300,7 @@
 <file path=ppt/revisionInfo.xml><?xml version="1.0" encoding="utf-8"?>
 <p1510:revInfo xmlns:a="http://schemas.openxmlformats.org/drawingml/2006/main" xmlns:r="http://schemas.openxmlformats.org/officeDocument/2006/relationships" xmlns:p1510="http://schemas.microsoft.com/office/powerpoint/2015/10/main">
   <p1510:revLst>
-    <p1510:client id="{183428D5-0144-4B7F-A1C2-729A76C56D76}" v="3" dt="2024-06-10T11:30:08.532"/>
+    <p1510:client id="{5189990E-2786-49FC-BABC-0D8BF22C5A3A}" v="3" dt="2024-06-18T21:49:12.017"/>
   </p1510:revLst>
 </p1510:revInfo>
 </file>
@@ -402,7 +402,7 @@
           <a:p>
             <a:fld id="{DDEC97AF-124B-434E-AA5D-1D5978CFA493}" type="datetimeFigureOut">
               <a:rPr lang="pt-BR" smtClean="0"/>
-              <a:t>10/06/2024</a:t>
+              <a:t>18/06/2024</a:t>
             </a:fld>
             <a:endParaRPr lang="pt-BR"/>
           </a:p>
@@ -21872,9 +21872,9 @@
         </p:nvGrpSpPr>
         <p:grpSpPr>
           <a:xfrm>
-            <a:off x="1663050" y="1560963"/>
+            <a:off x="1663063" y="1549518"/>
             <a:ext cx="6028200" cy="1923900"/>
-            <a:chOff x="1663050" y="1560963"/>
+            <a:chOff x="1663063" y="1549518"/>
             <a:chExt cx="6028200" cy="1923900"/>
           </a:xfrm>
           <a:effectLst>
@@ -21891,7 +21891,7 @@
           </p:nvSpPr>
           <p:spPr>
             <a:xfrm>
-              <a:off x="1663050" y="1560963"/>
+              <a:off x="1663063" y="1549518"/>
               <a:ext cx="6028200" cy="1923900"/>
             </a:xfrm>
             <a:prstGeom prst="roundRect">
@@ -21935,7 +21935,7 @@
                 </a:spcAft>
                 <a:buNone/>
               </a:pPr>
-              <a:endParaRPr/>
+              <a:endParaRPr dirty="0"/>
             </a:p>
           </p:txBody>
         </p:sp>
@@ -22004,7 +22004,7 @@
                   </a:spcAft>
                   <a:buNone/>
                 </a:pPr>
-                <a:endParaRPr/>
+                <a:endParaRPr dirty="0"/>
               </a:p>
             </p:txBody>
           </p:sp>
@@ -22044,7 +22044,7 @@
                 </a:ln>
                 <a:effectLst>
                   <a:outerShdw blurRad="57150" dist="19050" dir="5400000" algn="bl" rotWithShape="0">
-                    <a:srgbClr val="5352EE">
+                    <a:srgbClr val="4C4452">
                       <a:alpha val="50000"/>
                     </a:srgbClr>
                   </a:outerShdw>
@@ -22091,7 +22091,7 @@
                 </a:ln>
                 <a:effectLst>
                   <a:outerShdw blurRad="57150" dist="19050" dir="5400000" algn="bl" rotWithShape="0">
-                    <a:srgbClr val="5352EE">
+                    <a:srgbClr val="4C4452">
                       <a:alpha val="50000"/>
                     </a:srgbClr>
                   </a:outerShdw>
@@ -22138,7 +22138,7 @@
                 </a:ln>
                 <a:effectLst>
                   <a:outerShdw blurRad="57150" dist="19050" dir="5400000" algn="bl" rotWithShape="0">
-                    <a:srgbClr val="5352EE">
+                    <a:srgbClr val="4C4452">
                       <a:alpha val="50000"/>
                     </a:srgbClr>
                   </a:outerShdw>
@@ -22230,7 +22230,7 @@
         </p:nvGrpSpPr>
         <p:grpSpPr>
           <a:xfrm>
-            <a:off x="7475001" y="2099717"/>
+            <a:off x="7504698" y="2099725"/>
             <a:ext cx="627083" cy="436814"/>
             <a:chOff x="5779976" y="1418876"/>
             <a:chExt cx="421200" cy="293400"/>
@@ -22283,7 +22283,7 @@
                 </a:spcAft>
                 <a:buNone/>
               </a:pPr>
-              <a:endParaRPr/>
+              <a:endParaRPr dirty="0"/>
             </a:p>
           </p:txBody>
         </p:sp>
@@ -22381,9 +22381,9 @@
             </a:ln>
             <a:effectLst>
               <a:outerShdw blurRad="57150" dist="19050" dir="5400000" algn="bl" rotWithShape="0">
-                <a:schemeClr val="dk1">
+                <a:srgbClr val="4C4452">
                   <a:alpha val="38000"/>
-                </a:schemeClr>
+                </a:srgbClr>
               </a:outerShdw>
             </a:effectLst>
           </p:spPr>
@@ -22402,7 +22402,7 @@
                 </a:spcAft>
                 <a:buNone/>
               </a:pPr>
-              <a:endParaRPr>
+              <a:endParaRPr dirty="0">
                 <a:solidFill>
                   <a:srgbClr val="435D74"/>
                 </a:solidFill>
@@ -22502,7 +22502,7 @@
               <a:buNone/>
             </a:pPr>
             <a:r>
-              <a:rPr lang="en" sz="2400">
+              <a:rPr lang="en" sz="2400" dirty="0">
                 <a:solidFill>
                   <a:srgbClr val="4C4452"/>
                 </a:solidFill>
@@ -22512,7 +22512,7 @@
               </a:rPr>
               <a:t>Roboto</a:t>
             </a:r>
-            <a:endParaRPr>
+            <a:endParaRPr dirty="0">
               <a:solidFill>
                 <a:srgbClr val="4C4452"/>
               </a:solidFill>
@@ -23048,9 +23048,9 @@
             </a:ln>
             <a:effectLst>
               <a:outerShdw blurRad="371475" dist="19050" dir="5400000" algn="bl" rotWithShape="0">
-                <a:schemeClr val="dk1">
+                <a:srgbClr val="4C4452">
                   <a:alpha val="38000"/>
-                </a:schemeClr>
+                </a:srgbClr>
               </a:outerShdw>
               <a:reflection stA="11000" endPos="9000" dist="38100" dir="5400000" fadeDir="5400012" sy="-100000" algn="bl" rotWithShape="0"/>
             </a:effectLst>
@@ -23070,7 +23070,7 @@
                 </a:spcAft>
                 <a:buNone/>
               </a:pPr>
-              <a:endParaRPr/>
+              <a:endParaRPr dirty="0"/>
             </a:p>
           </p:txBody>
         </p:sp>
@@ -23223,9 +23223,9 @@
             </a:ln>
             <a:effectLst>
               <a:outerShdw blurRad="57150" dist="19050" dir="5400000" algn="bl" rotWithShape="0">
-                <a:schemeClr val="dk1">
+                <a:srgbClr val="4C4452">
                   <a:alpha val="23000"/>
-                </a:schemeClr>
+                </a:srgbClr>
               </a:outerShdw>
               <a:reflection stA="11000" endPos="9000" dist="38100" dir="5400000" fadeDir="5400012" sy="-100000" algn="bl" rotWithShape="0"/>
             </a:effectLst>
@@ -23245,7 +23245,7 @@
                 </a:spcAft>
                 <a:buNone/>
               </a:pPr>
-              <a:endParaRPr/>
+              <a:endParaRPr dirty="0"/>
             </a:p>
           </p:txBody>
         </p:sp>
@@ -37783,8 +37783,8 @@
         </p:nvSpPr>
         <p:spPr>
           <a:xfrm>
-            <a:off x="835994" y="966418"/>
-            <a:ext cx="3852000" cy="679200"/>
+            <a:off x="835993" y="966418"/>
+            <a:ext cx="4815659" cy="679200"/>
           </a:xfrm>
           <a:prstGeom prst="rect">
             <a:avLst/>
@@ -37806,8 +37806,8 @@
               <a:buNone/>
             </a:pPr>
             <a:r>
-              <a:rPr lang="en" sz="3500"/>
-              <a:t>Referências</a:t>
+              <a:rPr lang="en" sz="3500" dirty="0"/>
+              <a:t>Obras Consultadas</a:t>
             </a:r>
             <a:endParaRPr sz="3500"/>
           </a:p>
@@ -47124,13 +47124,13 @@
   <p:clrMapOvr>
     <a:masterClrMapping/>
   </p:clrMapOvr>
-  <mc:AlternateContent xmlns:mc="http://schemas.openxmlformats.org/markup-compatibility/2006">
-    <mc:Choice xmlns:p14="http://schemas.microsoft.com/office/powerpoint/2010/main" Requires="p14">
+  <mc:AlternateContent xmlns:mc="http://schemas.openxmlformats.org/markup-compatibility/2006" xmlns:p14="http://schemas.microsoft.com/office/powerpoint/2010/main">
+    <mc:Choice Requires="p14">
       <p:transition spd="slow" p14:dur="1500">
         <p:split orient="vert"/>
       </p:transition>
     </mc:Choice>
-    <mc:Fallback>
+    <mc:Fallback xmlns="">
       <p:transition spd="slow">
         <p:split orient="vert"/>
       </p:transition>
@@ -50280,13 +50280,13 @@
   <p:clrMapOvr>
     <a:masterClrMapping/>
   </p:clrMapOvr>
-  <mc:AlternateContent xmlns:mc="http://schemas.openxmlformats.org/markup-compatibility/2006">
-    <mc:Choice xmlns:p14="http://schemas.microsoft.com/office/powerpoint/2010/main" Requires="p14">
+  <mc:AlternateContent xmlns:mc="http://schemas.openxmlformats.org/markup-compatibility/2006" xmlns:p14="http://schemas.microsoft.com/office/powerpoint/2010/main">
+    <mc:Choice Requires="p14">
       <p:transition spd="slow" p14:dur="1500">
         <p:split orient="vert"/>
       </p:transition>
     </mc:Choice>
-    <mc:Fallback>
+    <mc:Fallback xmlns="">
       <p:transition spd="slow">
         <p:split orient="vert"/>
       </p:transition>
@@ -56943,16 +56943,16 @@
 <file path=customXml/itemProps2.xml><?xml version="1.0" encoding="utf-8"?>
 <ds:datastoreItem xmlns:ds="http://schemas.openxmlformats.org/officeDocument/2006/customXml" ds:itemID="{A21CD7B5-BCF7-4A33-B6D3-C5190EC01BA0}">
   <ds:schemaRefs>
-    <ds:schemaRef ds:uri="http://purl.org/dc/elements/1.1/"/>
-    <ds:schemaRef ds:uri="http://purl.org/dc/terms/"/>
     <ds:schemaRef ds:uri="http://purl.org/dc/dcmitype/"/>
     <ds:schemaRef ds:uri="http://schemas.microsoft.com/office/2006/metadata/properties"/>
+    <ds:schemaRef ds:uri="http://schemas.microsoft.com/office/infopath/2007/PartnerControls"/>
+    <ds:schemaRef ds:uri="90191c2e-8b42-4228-85b4-7806ea93d9fa"/>
+    <ds:schemaRef ds:uri="http://schemas.openxmlformats.org/package/2006/metadata/core-properties"/>
     <ds:schemaRef ds:uri="http://schemas.microsoft.com/office/2006/documentManagement/types"/>
+    <ds:schemaRef ds:uri="http://purl.org/dc/terms/"/>
+    <ds:schemaRef ds:uri="8d5d6a0f-107e-4682-b58a-f9becefb0ba6"/>
     <ds:schemaRef ds:uri="http://www.w3.org/XML/1998/namespace"/>
-    <ds:schemaRef ds:uri="http://schemas.microsoft.com/office/infopath/2007/PartnerControls"/>
-    <ds:schemaRef ds:uri="http://schemas.openxmlformats.org/package/2006/metadata/core-properties"/>
-    <ds:schemaRef ds:uri="8d5d6a0f-107e-4682-b58a-f9becefb0ba6"/>
-    <ds:schemaRef ds:uri="90191c2e-8b42-4228-85b4-7806ea93d9fa"/>
+    <ds:schemaRef ds:uri="http://purl.org/dc/elements/1.1/"/>
   </ds:schemaRefs>
 </ds:datastoreItem>
 </file>

--- a/Apresentação/Localize Jahu - Apresentação.pptx
+++ b/Apresentação/Localize Jahu - Apresentação.pptx
@@ -300,7 +300,7 @@
 <file path=ppt/revisionInfo.xml><?xml version="1.0" encoding="utf-8"?>
 <p1510:revInfo xmlns:a="http://schemas.openxmlformats.org/drawingml/2006/main" xmlns:r="http://schemas.openxmlformats.org/officeDocument/2006/relationships" xmlns:p1510="http://schemas.microsoft.com/office/powerpoint/2015/10/main">
   <p1510:revLst>
-    <p1510:client id="{5189990E-2786-49FC-BABC-0D8BF22C5A3A}" v="3" dt="2024-06-18T21:49:12.017"/>
+    <p1510:client id="{5189990E-2786-49FC-BABC-0D8BF22C5A3A}" v="3" dt="2024-06-18T23:02:45.344"/>
   </p1510:revLst>
 </p1510:revInfo>
 </file>
@@ -17115,11 +17115,18 @@
           <a:p>
             <a:pPr marL="0" indent="0"/>
             <a:r>
+              <a:rPr lang="pt-BR">
+                <a:ea typeface="Roboto"/>
+                <a:cs typeface="Roboto"/>
+              </a:rPr>
+              <a:t>Alissa</a:t>
+            </a:r>
+            <a:r>
               <a:rPr lang="pt-BR" dirty="0">
                 <a:ea typeface="Roboto"/>
                 <a:cs typeface="Roboto"/>
               </a:rPr>
-              <a:t>Alisa Gabriel,</a:t>
+              <a:t> Gabriel,</a:t>
             </a:r>
           </a:p>
           <a:p>
@@ -37809,7 +37816,7 @@
               <a:rPr lang="en" sz="3500" dirty="0"/>
               <a:t>Obras Consultadas</a:t>
             </a:r>
-            <a:endParaRPr sz="3500"/>
+            <a:endParaRPr sz="3500" dirty="0"/>
           </a:p>
         </p:txBody>
       </p:sp>
@@ -37860,7 +37867,7 @@
               <a:buNone/>
             </a:pPr>
             <a:r>
-              <a:rPr lang="pt-BR" sz="1100" b="1">
+              <a:rPr lang="pt-BR" sz="1100" b="1" dirty="0">
                 <a:solidFill>
                   <a:schemeClr val="bg1"/>
                 </a:solidFill>
@@ -37872,7 +37879,7 @@
               <a:t>Fernando Cunha. Requisitos funcionais e não funcionais: o que são?  Disponível em: </a:t>
             </a:r>
             <a:r>
-              <a:rPr lang="pt-BR" sz="1100" b="1">
+              <a:rPr lang="pt-BR" sz="1100" b="1" dirty="0">
                 <a:solidFill>
                   <a:schemeClr val="bg1"/>
                 </a:solidFill>
@@ -37891,7 +37898,7 @@
               <a:t>https://www.mestresdaweb.com.br/tecnologias/requisitos-funcionais-e-</a:t>
             </a:r>
             <a:r>
-              <a:rPr lang="pt-BR" sz="1100" b="1" err="1">
+              <a:rPr lang="pt-BR" sz="1100" b="1" dirty="0" err="1">
                 <a:solidFill>
                   <a:schemeClr val="bg1"/>
                 </a:solidFill>
@@ -37910,7 +37917,7 @@
               <a:t>nao</a:t>
             </a:r>
             <a:r>
-              <a:rPr lang="pt-BR" sz="1100" b="1">
+              <a:rPr lang="pt-BR" sz="1100" b="1" dirty="0">
                 <a:solidFill>
                   <a:schemeClr val="bg1"/>
                 </a:solidFill>
@@ -37929,7 +37936,7 @@
               <a:t>-funcionais-o-que-</a:t>
             </a:r>
             <a:r>
-              <a:rPr lang="pt-BR" sz="1100" b="1" err="1">
+              <a:rPr lang="pt-BR" sz="1100" b="1" dirty="0" err="1">
                 <a:solidFill>
                   <a:schemeClr val="bg1"/>
                 </a:solidFill>
@@ -37948,7 +37955,7 @@
               <a:t>sao</a:t>
             </a:r>
             <a:r>
-              <a:rPr lang="pt-BR" sz="1100" b="1">
+              <a:rPr lang="pt-BR" sz="1100" b="1" dirty="0">
                 <a:solidFill>
                   <a:schemeClr val="bg1"/>
                 </a:solidFill>
@@ -37975,7 +37982,7 @@
               <a:buFont typeface="Arial"/>
               <a:buNone/>
             </a:pPr>
-            <a:endParaRPr lang="pt-BR" sz="1100" b="1">
+            <a:endParaRPr lang="pt-BR" sz="1100" b="1" dirty="0">
               <a:solidFill>
                 <a:schemeClr val="bg1"/>
               </a:solidFill>
@@ -38001,7 +38008,7 @@
               <a:buNone/>
             </a:pPr>
             <a:r>
-              <a:rPr lang="pt-BR" sz="1100" b="1">
+              <a:rPr lang="pt-BR" sz="1100" b="1" dirty="0">
                 <a:solidFill>
                   <a:schemeClr val="bg1"/>
                 </a:solidFill>
@@ -38013,7 +38020,7 @@
               <a:t>Casa do Desenvolvedor. Requisitos funcionais e não funcionais: o que são e como identificar? Disponível em: </a:t>
             </a:r>
             <a:r>
-              <a:rPr lang="pt-BR" sz="1100" b="1">
+              <a:rPr lang="pt-BR" sz="1100" b="1" dirty="0">
                 <a:solidFill>
                   <a:schemeClr val="bg1"/>
                 </a:solidFill>
@@ -38032,7 +38039,7 @@
               <a:t>https://blog.casadodesenvolvedor.com.br/requisitos-funcionais-e-</a:t>
             </a:r>
             <a:r>
-              <a:rPr lang="pt-BR" sz="1100" b="1" err="1">
+              <a:rPr lang="pt-BR" sz="1100" b="1" dirty="0" err="1">
                 <a:solidFill>
                   <a:schemeClr val="bg1"/>
                 </a:solidFill>
@@ -38051,7 +38058,7 @@
               <a:t>nao</a:t>
             </a:r>
             <a:r>
-              <a:rPr lang="pt-BR" sz="1100" b="1">
+              <a:rPr lang="pt-BR" sz="1100" b="1" dirty="0">
                 <a:solidFill>
                   <a:schemeClr val="bg1"/>
                 </a:solidFill>
@@ -38070,7 +38077,7 @@
               <a:t>-funcionais/</a:t>
             </a:r>
             <a:r>
-              <a:rPr lang="pt-BR" sz="1100" b="1">
+              <a:rPr lang="pt-BR" sz="1100" b="1" dirty="0">
                 <a:solidFill>
                   <a:schemeClr val="bg1"/>
                 </a:solidFill>
@@ -38097,7 +38104,7 @@
               <a:buFont typeface="Arial"/>
               <a:buNone/>
             </a:pPr>
-            <a:endParaRPr lang="pt-BR" sz="1100" b="1">
+            <a:endParaRPr lang="pt-BR" sz="1100" b="1" dirty="0">
               <a:solidFill>
                 <a:schemeClr val="bg1"/>
               </a:solidFill>
@@ -38123,7 +38130,7 @@
               <a:buNone/>
             </a:pPr>
             <a:r>
-              <a:rPr lang="pt-BR" sz="1100" b="1">
+              <a:rPr lang="pt-BR" sz="1100" b="1" dirty="0">
                 <a:solidFill>
                   <a:schemeClr val="bg1"/>
                 </a:solidFill>
@@ -38135,7 +38142,7 @@
               <a:t>Cursos PM3. Aplicação web: o que é, características, princípios e como criar. Disponível em: </a:t>
             </a:r>
             <a:r>
-              <a:rPr lang="pt-BR" sz="1100" b="1">
+              <a:rPr lang="pt-BR" sz="1100" b="1" dirty="0">
                 <a:solidFill>
                   <a:srgbClr val="F1F0FF"/>
                 </a:solidFill>
@@ -38154,7 +38161,7 @@
               <a:t>https://www.cursospm3.com.br/blog/</a:t>
             </a:r>
             <a:r>
-              <a:rPr lang="pt-BR" sz="1100" b="1" err="1">
+              <a:rPr lang="pt-BR" sz="1100" b="1" dirty="0" err="1">
                 <a:solidFill>
                   <a:srgbClr val="F1F0FF"/>
                 </a:solidFill>
@@ -38173,7 +38180,7 @@
               <a:t>aplicacao</a:t>
             </a:r>
             <a:r>
-              <a:rPr lang="pt-BR" sz="1100" b="1">
+              <a:rPr lang="pt-BR" sz="1100" b="1" dirty="0">
                 <a:solidFill>
                   <a:schemeClr val="bg1"/>
                 </a:solidFill>
@@ -38192,7 +38199,7 @@
               <a:t>-web/</a:t>
             </a:r>
             <a:r>
-              <a:rPr lang="pt-BR" sz="1100" b="1">
+              <a:rPr lang="pt-BR" sz="1100" b="1" dirty="0">
                 <a:solidFill>
                   <a:schemeClr val="bg1"/>
                 </a:solidFill>
@@ -56943,16 +56950,16 @@
 <file path=customXml/itemProps2.xml><?xml version="1.0" encoding="utf-8"?>
 <ds:datastoreItem xmlns:ds="http://schemas.openxmlformats.org/officeDocument/2006/customXml" ds:itemID="{A21CD7B5-BCF7-4A33-B6D3-C5190EC01BA0}">
   <ds:schemaRefs>
+    <ds:schemaRef ds:uri="http://schemas.microsoft.com/office/2006/metadata/properties"/>
+    <ds:schemaRef ds:uri="http://www.w3.org/XML/1998/namespace"/>
+    <ds:schemaRef ds:uri="http://purl.org/dc/terms/"/>
     <ds:schemaRef ds:uri="http://purl.org/dc/dcmitype/"/>
-    <ds:schemaRef ds:uri="http://schemas.microsoft.com/office/2006/metadata/properties"/>
+    <ds:schemaRef ds:uri="http://schemas.microsoft.com/office/2006/documentManagement/types"/>
+    <ds:schemaRef ds:uri="http://purl.org/dc/elements/1.1/"/>
+    <ds:schemaRef ds:uri="8d5d6a0f-107e-4682-b58a-f9becefb0ba6"/>
     <ds:schemaRef ds:uri="http://schemas.microsoft.com/office/infopath/2007/PartnerControls"/>
+    <ds:schemaRef ds:uri="http://schemas.openxmlformats.org/package/2006/metadata/core-properties"/>
     <ds:schemaRef ds:uri="90191c2e-8b42-4228-85b4-7806ea93d9fa"/>
-    <ds:schemaRef ds:uri="http://schemas.openxmlformats.org/package/2006/metadata/core-properties"/>
-    <ds:schemaRef ds:uri="http://schemas.microsoft.com/office/2006/documentManagement/types"/>
-    <ds:schemaRef ds:uri="http://purl.org/dc/terms/"/>
-    <ds:schemaRef ds:uri="8d5d6a0f-107e-4682-b58a-f9becefb0ba6"/>
-    <ds:schemaRef ds:uri="http://www.w3.org/XML/1998/namespace"/>
-    <ds:schemaRef ds:uri="http://purl.org/dc/elements/1.1/"/>
   </ds:schemaRefs>
 </ds:datastoreItem>
 </file>
